--- a/wps/excel/27-查询函数MATCH、INDEX/课件.pptx
+++ b/wps/excel/27-查询函数MATCH、INDEX/课件.pptx
@@ -3350,7 +3350,7 @@
         <p:spPr/>
         <p:txBody>
           <a:bodyPr>
-            <a:normAutofit fontScale="97500"/>
+            <a:normAutofit/>
           </a:bodyPr>
           <a:lstStyle/>
           <a:p>
@@ -3413,7 +3413,19 @@
               <a:rPr lang="zh-CN" altLang="en-US" sz="2330" dirty="0">
                 <a:sym typeface="+mn-ea"/>
               </a:rPr>
-              <a:t>语法：=MATCH(值,一组数值,匹配模式）</a:t>
+              <a:t>语法：=MATCH(值,一组数值,匹配模式（</a:t>
+            </a:r>
+            <a:r>
+              <a:rPr lang="en-US" altLang="zh-CN" sz="2330" dirty="0">
+                <a:sym typeface="+mn-ea"/>
+              </a:rPr>
+              <a:t>0:精确匹配</a:t>
+            </a:r>
+            <a:r>
+              <a:rPr lang="zh-CN" altLang="en-US" sz="2330" dirty="0">
+                <a:sym typeface="+mn-ea"/>
+              </a:rPr>
+              <a:t>））</a:t>
             </a:r>
             <a:endParaRPr lang="zh-CN" altLang="en-US" sz="2330" dirty="0">
               <a:sym typeface="+mn-ea"/>
